--- a/Publishments/03_Presentations/01_TeamPresentation_Alternative.pptx
+++ b/Publishments/03_Presentations/01_TeamPresentation_Alternative.pptx
@@ -137,6 +137,30 @@
 
 <file path=ppt/changesInfos/changesInfo1.xml><?xml version="1.0" encoding="utf-8"?>
 <pc:chgInfo xmlns:a="http://schemas.openxmlformats.org/drawingml/2006/main" xmlns:r="http://schemas.openxmlformats.org/officeDocument/2006/relationships" xmlns:ac="http://schemas.microsoft.com/office/drawing/2013/main/command" xmlns:pc="http://schemas.microsoft.com/office/powerpoint/2013/main/command">
+  <pc:docChgLst>
+    <pc:chgData name="janvi T" userId="284b4f77c344d0b7" providerId="Windows Live" clId="Web-{B13660A1-580C-4665-B9F7-8BB45C486ECB}"/>
+    <pc:docChg chg="modSld">
+      <pc:chgData name="janvi T" userId="284b4f77c344d0b7" providerId="Windows Live" clId="Web-{B13660A1-580C-4665-B9F7-8BB45C486ECB}" dt="2018-04-14T22:39:00.661" v="3"/>
+      <pc:docMkLst>
+        <pc:docMk/>
+      </pc:docMkLst>
+      <pc:sldChg chg="modSp">
+        <pc:chgData name="janvi T" userId="284b4f77c344d0b7" providerId="Windows Live" clId="Web-{B13660A1-580C-4665-B9F7-8BB45C486ECB}" dt="2018-04-14T22:39:00.661" v="2"/>
+        <pc:sldMkLst>
+          <pc:docMk/>
+          <pc:sldMk cId="4103309497" sldId="257"/>
+        </pc:sldMkLst>
+        <pc:spChg chg="mod">
+          <ac:chgData name="janvi T" userId="284b4f77c344d0b7" providerId="Windows Live" clId="Web-{B13660A1-580C-4665-B9F7-8BB45C486ECB}" dt="2018-04-14T22:39:00.661" v="2"/>
+          <ac:spMkLst>
+            <pc:docMk/>
+            <pc:sldMk cId="4103309497" sldId="257"/>
+            <ac:spMk id="3" creationId="{00000000-0000-0000-0000-000000000000}"/>
+          </ac:spMkLst>
+        </pc:spChg>
+      </pc:sldChg>
+    </pc:docChg>
+  </pc:docChgLst>
   <pc:docChgLst>
     <pc:chgData name="Moritz Spiller" userId="ee7d68fad518d8d2" providerId="LiveId" clId="{ADF8F89C-5D3F-4B4C-AD0C-8E399D11AB51}"/>
     <pc:docChg chg="undo custSel addSld delSld modSld">
@@ -357,30 +381,6 @@
     </pc:docChg>
   </pc:docChgLst>
   <pc:docChgLst>
-    <pc:chgData name="janvi T" userId="284b4f77c344d0b7" providerId="Windows Live" clId="Web-{B13660A1-580C-4665-B9F7-8BB45C486ECB}"/>
-    <pc:docChg chg="modSld">
-      <pc:chgData name="janvi T" userId="284b4f77c344d0b7" providerId="Windows Live" clId="Web-{B13660A1-580C-4665-B9F7-8BB45C486ECB}" dt="2018-04-14T22:39:00.661" v="3"/>
-      <pc:docMkLst>
-        <pc:docMk/>
-      </pc:docMkLst>
-      <pc:sldChg chg="modSp">
-        <pc:chgData name="janvi T" userId="284b4f77c344d0b7" providerId="Windows Live" clId="Web-{B13660A1-580C-4665-B9F7-8BB45C486ECB}" dt="2018-04-14T22:39:00.661" v="2"/>
-        <pc:sldMkLst>
-          <pc:docMk/>
-          <pc:sldMk cId="4103309497" sldId="257"/>
-        </pc:sldMkLst>
-        <pc:spChg chg="mod">
-          <ac:chgData name="janvi T" userId="284b4f77c344d0b7" providerId="Windows Live" clId="Web-{B13660A1-580C-4665-B9F7-8BB45C486ECB}" dt="2018-04-14T22:39:00.661" v="2"/>
-          <ac:spMkLst>
-            <pc:docMk/>
-            <pc:sldMk cId="4103309497" sldId="257"/>
-            <ac:spMk id="3" creationId="{00000000-0000-0000-0000-000000000000}"/>
-          </ac:spMkLst>
-        </pc:spChg>
-      </pc:sldChg>
-    </pc:docChg>
-  </pc:docChgLst>
-  <pc:docChgLst>
     <pc:chgData name="Moritz Spiller" userId="ee7d68fad518d8d2" providerId="LiveId" clId="{69DC1DB7-35C5-485D-AD0B-5E207D2B09E6}"/>
     <pc:docChg chg="custSel addSld modSld">
       <pc:chgData name="Moritz Spiller" userId="ee7d68fad518d8d2" providerId="LiveId" clId="{69DC1DB7-35C5-485D-AD0B-5E207D2B09E6}" dt="2018-04-12T22:43:25.947" v="846" actId="14100"/>
@@ -590,6 +590,88 @@
     </pc:docChg>
   </pc:docChgLst>
   <pc:docChgLst>
+    <pc:chgData name="Moritz Spiller" userId="ee7d68fad518d8d2" providerId="LiveId" clId="{F8A47109-9EF6-4448-9F3E-1242B3806D24}"/>
+    <pc:docChg chg="modSld modMainMaster">
+      <pc:chgData name="Moritz Spiller" userId="ee7d68fad518d8d2" providerId="LiveId" clId="{F8A47109-9EF6-4448-9F3E-1242B3806D24}" dt="2018-04-16T19:50:25.308" v="3" actId="790"/>
+      <pc:docMkLst>
+        <pc:docMk/>
+      </pc:docMkLst>
+      <pc:sldChg chg="modSp">
+        <pc:chgData name="Moritz Spiller" userId="ee7d68fad518d8d2" providerId="LiveId" clId="{F8A47109-9EF6-4448-9F3E-1242B3806D24}" dt="2018-04-16T19:50:25.308" v="3" actId="790"/>
+        <pc:sldMkLst>
+          <pc:docMk/>
+          <pc:sldMk cId="1926067541" sldId="260"/>
+        </pc:sldMkLst>
+        <pc:spChg chg="mod">
+          <ac:chgData name="Moritz Spiller" userId="ee7d68fad518d8d2" providerId="LiveId" clId="{F8A47109-9EF6-4448-9F3E-1242B3806D24}" dt="2018-04-16T19:50:25.308" v="3" actId="790"/>
+          <ac:spMkLst>
+            <pc:docMk/>
+            <pc:sldMk cId="1926067541" sldId="260"/>
+            <ac:spMk id="3" creationId="{8C067A40-4FA4-4802-88BC-63AC01FF547C}"/>
+          </ac:spMkLst>
+        </pc:spChg>
+      </pc:sldChg>
+      <pc:sldMasterChg chg="modSldLayout">
+        <pc:chgData name="Moritz Spiller" userId="ee7d68fad518d8d2" providerId="LiveId" clId="{F8A47109-9EF6-4448-9F3E-1242B3806D24}" dt="2018-04-16T19:49:46.945" v="2" actId="207"/>
+        <pc:sldMasterMkLst>
+          <pc:docMk/>
+          <pc:sldMasterMk cId="1944039382" sldId="2147483648"/>
+        </pc:sldMasterMkLst>
+        <pc:sldLayoutChg chg="modSp">
+          <pc:chgData name="Moritz Spiller" userId="ee7d68fad518d8d2" providerId="LiveId" clId="{F8A47109-9EF6-4448-9F3E-1242B3806D24}" dt="2018-04-16T19:49:31.942" v="0" actId="207"/>
+          <pc:sldLayoutMkLst>
+            <pc:docMk/>
+            <pc:sldMasterMk cId="1944039382" sldId="2147483648"/>
+            <pc:sldLayoutMk cId="1664471362" sldId="2147483650"/>
+          </pc:sldLayoutMkLst>
+          <pc:spChg chg="mod">
+            <ac:chgData name="Moritz Spiller" userId="ee7d68fad518d8d2" providerId="LiveId" clId="{F8A47109-9EF6-4448-9F3E-1242B3806D24}" dt="2018-04-16T19:49:31.942" v="0" actId="207"/>
+            <ac:spMkLst>
+              <pc:docMk/>
+              <pc:sldMasterMk cId="1944039382" sldId="2147483648"/>
+              <pc:sldLayoutMk cId="1664471362" sldId="2147483650"/>
+              <ac:spMk id="2" creationId="{00000000-0000-0000-0000-000000000000}"/>
+            </ac:spMkLst>
+          </pc:spChg>
+        </pc:sldLayoutChg>
+        <pc:sldLayoutChg chg="modSp">
+          <pc:chgData name="Moritz Spiller" userId="ee7d68fad518d8d2" providerId="LiveId" clId="{F8A47109-9EF6-4448-9F3E-1242B3806D24}" dt="2018-04-16T19:49:46.945" v="2" actId="207"/>
+          <pc:sldLayoutMkLst>
+            <pc:docMk/>
+            <pc:sldMasterMk cId="1944039382" sldId="2147483648"/>
+            <pc:sldLayoutMk cId="4122911988" sldId="2147483653"/>
+          </pc:sldLayoutMkLst>
+          <pc:spChg chg="mod">
+            <ac:chgData name="Moritz Spiller" userId="ee7d68fad518d8d2" providerId="LiveId" clId="{F8A47109-9EF6-4448-9F3E-1242B3806D24}" dt="2018-04-16T19:49:46.945" v="2" actId="207"/>
+            <ac:spMkLst>
+              <pc:docMk/>
+              <pc:sldMasterMk cId="1944039382" sldId="2147483648"/>
+              <pc:sldLayoutMk cId="4122911988" sldId="2147483653"/>
+              <ac:spMk id="2" creationId="{00000000-0000-0000-0000-000000000000}"/>
+            </ac:spMkLst>
+          </pc:spChg>
+        </pc:sldLayoutChg>
+        <pc:sldLayoutChg chg="modSp">
+          <pc:chgData name="Moritz Spiller" userId="ee7d68fad518d8d2" providerId="LiveId" clId="{F8A47109-9EF6-4448-9F3E-1242B3806D24}" dt="2018-04-16T19:49:36.702" v="1" actId="207"/>
+          <pc:sldLayoutMkLst>
+            <pc:docMk/>
+            <pc:sldMasterMk cId="1944039382" sldId="2147483648"/>
+            <pc:sldLayoutMk cId="1629391393" sldId="2147483660"/>
+          </pc:sldLayoutMkLst>
+          <pc:spChg chg="mod">
+            <ac:chgData name="Moritz Spiller" userId="ee7d68fad518d8d2" providerId="LiveId" clId="{F8A47109-9EF6-4448-9F3E-1242B3806D24}" dt="2018-04-16T19:49:36.702" v="1" actId="207"/>
+            <ac:spMkLst>
+              <pc:docMk/>
+              <pc:sldMasterMk cId="1944039382" sldId="2147483648"/>
+              <pc:sldLayoutMk cId="1629391393" sldId="2147483660"/>
+              <ac:spMk id="2" creationId="{00000000-0000-0000-0000-000000000000}"/>
+            </ac:spMkLst>
+          </pc:spChg>
+        </pc:sldLayoutChg>
+      </pc:sldMasterChg>
+    </pc:docChg>
+  </pc:docChgLst>
+  <pc:docChgLst>
     <pc:chgData name="janvi T" userId="284b4f77c344d0b7" providerId="Windows Live" clId="Web-{2703F0BE-E2CB-4AA6-8893-0FA13317345E}"/>
     <pc:docChg chg="modSld">
       <pc:chgData name="janvi T" userId="284b4f77c344d0b7" providerId="Windows Live" clId="Web-{2703F0BE-E2CB-4AA6-8893-0FA13317345E}" dt="2018-04-14T22:40:31.070" v="2"/>
@@ -699,7 +781,7 @@
             <a:fld id="{1715D416-169F-4C7D-9A97-B9A721101B5F}" type="datetimeFigureOut">
               <a:rPr lang="en-US" smtClean="0"/>
               <a:pPr/>
-              <a:t>4/14/2018</a:t>
+              <a:t>4/16/2018</a:t>
             </a:fld>
             <a:endParaRPr lang="en-US"/>
           </a:p>
@@ -859,7 +941,7 @@
             <a:fld id="{82CAC2C4-10C3-4E4D-8B11-F26F83F24C59}" type="slidenum">
               <a:rPr lang="en-US" smtClean="0"/>
               <a:pPr/>
-              <a:t>‹#›</a:t>
+              <a:t>‹Nr.›</a:t>
             </a:fld>
             <a:endParaRPr lang="en-US"/>
           </a:p>
@@ -1273,7 +1355,7 @@
             <a:fld id="{53074F12-AA26-4AC8-9962-C36BB8F32554}" type="datetimeFigureOut">
               <a:rPr lang="en-US" smtClean="0"/>
               <a:pPr/>
-              <a:t>4/14/2018</a:t>
+              <a:t>4/16/2018</a:t>
             </a:fld>
             <a:endParaRPr lang="en-US"/>
           </a:p>
@@ -1316,7 +1398,7 @@
             <a:fld id="{B82CCC60-E8CD-4174-8B1A-7DF615B22EEF}" type="slidenum">
               <a:rPr lang="en-US" smtClean="0"/>
               <a:pPr/>
-              <a:t>‹#›</a:t>
+              <a:t>‹Nr.›</a:t>
             </a:fld>
             <a:endParaRPr lang="en-US"/>
           </a:p>
@@ -1527,7 +1609,7 @@
             <a:fld id="{53074F12-AA26-4AC8-9962-C36BB8F32554}" type="datetimeFigureOut">
               <a:rPr lang="en-US" smtClean="0"/>
               <a:pPr/>
-              <a:t>4/14/2018</a:t>
+              <a:t>4/16/2018</a:t>
             </a:fld>
             <a:endParaRPr lang="en-US"/>
           </a:p>
@@ -1570,7 +1652,7 @@
             <a:fld id="{B82CCC60-E8CD-4174-8B1A-7DF615B22EEF}" type="slidenum">
               <a:rPr lang="en-US" smtClean="0"/>
               <a:pPr/>
-              <a:t>‹#›</a:t>
+              <a:t>‹Nr.›</a:t>
             </a:fld>
             <a:endParaRPr lang="en-US"/>
           </a:p>
@@ -1697,7 +1779,7 @@
             <a:fld id="{53074F12-AA26-4AC8-9962-C36BB8F32554}" type="datetimeFigureOut">
               <a:rPr lang="en-US" smtClean="0"/>
               <a:pPr/>
-              <a:t>4/14/2018</a:t>
+              <a:t>4/16/2018</a:t>
             </a:fld>
             <a:endParaRPr lang="en-US"/>
           </a:p>
@@ -1740,7 +1822,7 @@
             <a:fld id="{B82CCC60-E8CD-4174-8B1A-7DF615B22EEF}" type="slidenum">
               <a:rPr lang="en-US" smtClean="0"/>
               <a:pPr/>
-              <a:t>‹#›</a:t>
+              <a:t>‹Nr.›</a:t>
             </a:fld>
             <a:endParaRPr lang="en-US"/>
           </a:p>
@@ -1877,7 +1959,7 @@
             <a:fld id="{53074F12-AA26-4AC8-9962-C36BB8F32554}" type="datetimeFigureOut">
               <a:rPr lang="en-US" smtClean="0"/>
               <a:pPr/>
-              <a:t>4/14/2018</a:t>
+              <a:t>4/16/2018</a:t>
             </a:fld>
             <a:endParaRPr lang="en-US"/>
           </a:p>
@@ -1920,7 +2002,7 @@
             <a:fld id="{B82CCC60-E8CD-4174-8B1A-7DF615B22EEF}" type="slidenum">
               <a:rPr lang="en-US" smtClean="0"/>
               <a:pPr/>
-              <a:t>‹#›</a:t>
+              <a:t>‹Nr.›</a:t>
             </a:fld>
             <a:endParaRPr lang="en-US"/>
           </a:p>
@@ -1980,7 +2062,10 @@
             <a:lvl1pPr algn="l">
               <a:defRPr sz="3600" baseline="0">
                 <a:solidFill>
-                  <a:srgbClr val="FFC000"/>
+                  <a:schemeClr val="tx1">
+                    <a:lumMod val="75000"/>
+                    <a:lumOff val="25000"/>
+                  </a:schemeClr>
                 </a:solidFill>
                 <a:effectLst>
                   <a:outerShdw blurRad="50800" dist="38100" dir="2700000" algn="tl" rotWithShape="0">
@@ -2110,7 +2195,7 @@
             <a:fld id="{53074F12-AA26-4AC8-9962-C36BB8F32554}" type="datetimeFigureOut">
               <a:rPr lang="en-US" smtClean="0"/>
               <a:pPr/>
-              <a:t>4/14/2018</a:t>
+              <a:t>4/16/2018</a:t>
             </a:fld>
             <a:endParaRPr lang="en-US"/>
           </a:p>
@@ -2153,7 +2238,7 @@
             <a:fld id="{B82CCC60-E8CD-4174-8B1A-7DF615B22EEF}" type="slidenum">
               <a:rPr lang="en-US" smtClean="0"/>
               <a:pPr/>
-              <a:t>‹#›</a:t>
+              <a:t>‹Nr.›</a:t>
             </a:fld>
             <a:endParaRPr lang="en-US"/>
           </a:p>
@@ -2227,7 +2312,10 @@
             <a:lvl1pPr algn="l">
               <a:defRPr sz="3600">
                 <a:solidFill>
-                  <a:srgbClr val="FFC000"/>
+                  <a:schemeClr val="tx1">
+                    <a:lumMod val="75000"/>
+                    <a:lumOff val="25000"/>
+                  </a:schemeClr>
                 </a:solidFill>
                 <a:effectLst>
                   <a:outerShdw blurRad="50800" dist="38100" dir="2700000" algn="tl" rotWithShape="0">
@@ -2357,7 +2445,7 @@
             <a:fld id="{53074F12-AA26-4AC8-9962-C36BB8F32554}" type="datetimeFigureOut">
               <a:rPr lang="en-US" smtClean="0"/>
               <a:pPr/>
-              <a:t>4/14/2018</a:t>
+              <a:t>4/16/2018</a:t>
             </a:fld>
             <a:endParaRPr lang="en-US"/>
           </a:p>
@@ -2400,7 +2488,7 @@
             <a:fld id="{B82CCC60-E8CD-4174-8B1A-7DF615B22EEF}" type="slidenum">
               <a:rPr lang="en-US" smtClean="0"/>
               <a:pPr/>
-              <a:t>‹#›</a:t>
+              <a:t>‹Nr.›</a:t>
             </a:fld>
             <a:endParaRPr lang="en-US"/>
           </a:p>
@@ -2604,7 +2692,7 @@
             <a:fld id="{53074F12-AA26-4AC8-9962-C36BB8F32554}" type="datetimeFigureOut">
               <a:rPr lang="en-US" smtClean="0"/>
               <a:pPr/>
-              <a:t>4/14/2018</a:t>
+              <a:t>4/16/2018</a:t>
             </a:fld>
             <a:endParaRPr lang="en-US"/>
           </a:p>
@@ -2647,7 +2735,7 @@
             <a:fld id="{B82CCC60-E8CD-4174-8B1A-7DF615B22EEF}" type="slidenum">
               <a:rPr lang="en-US" smtClean="0"/>
               <a:pPr/>
-              <a:t>‹#›</a:t>
+              <a:t>‹Nr.›</a:t>
             </a:fld>
             <a:endParaRPr lang="en-US"/>
           </a:p>
@@ -2891,7 +2979,7 @@
             <a:fld id="{53074F12-AA26-4AC8-9962-C36BB8F32554}" type="datetimeFigureOut">
               <a:rPr lang="en-US" smtClean="0"/>
               <a:pPr/>
-              <a:t>4/14/2018</a:t>
+              <a:t>4/16/2018</a:t>
             </a:fld>
             <a:endParaRPr lang="en-US"/>
           </a:p>
@@ -2934,7 +3022,7 @@
             <a:fld id="{B82CCC60-E8CD-4174-8B1A-7DF615B22EEF}" type="slidenum">
               <a:rPr lang="en-US" smtClean="0"/>
               <a:pPr/>
-              <a:t>‹#›</a:t>
+              <a:t>‹Nr.›</a:t>
             </a:fld>
             <a:endParaRPr lang="en-US"/>
           </a:p>
@@ -2994,7 +3082,10 @@
             <a:lvl1pPr algn="l">
               <a:defRPr sz="3600" baseline="0">
                 <a:solidFill>
-                  <a:srgbClr val="FFC000"/>
+                  <a:schemeClr val="tx1">
+                    <a:lumMod val="75000"/>
+                    <a:lumOff val="25000"/>
+                  </a:schemeClr>
                 </a:solidFill>
                 <a:effectLst>
                   <a:outerShdw blurRad="50800" dist="38100" dir="2700000" algn="tl" rotWithShape="0">
@@ -3378,7 +3469,7 @@
             <a:fld id="{53074F12-AA26-4AC8-9962-C36BB8F32554}" type="datetimeFigureOut">
               <a:rPr lang="en-US" smtClean="0"/>
               <a:pPr/>
-              <a:t>4/14/2018</a:t>
+              <a:t>4/16/2018</a:t>
             </a:fld>
             <a:endParaRPr lang="en-US"/>
           </a:p>
@@ -3421,7 +3512,7 @@
             <a:fld id="{B82CCC60-E8CD-4174-8B1A-7DF615B22EEF}" type="slidenum">
               <a:rPr lang="en-US" smtClean="0"/>
               <a:pPr/>
-              <a:t>‹#›</a:t>
+              <a:t>‹Nr.›</a:t>
             </a:fld>
             <a:endParaRPr lang="en-US"/>
           </a:p>
@@ -3497,7 +3588,7 @@
             <a:fld id="{53074F12-AA26-4AC8-9962-C36BB8F32554}" type="datetimeFigureOut">
               <a:rPr lang="en-US" smtClean="0"/>
               <a:pPr/>
-              <a:t>4/14/2018</a:t>
+              <a:t>4/16/2018</a:t>
             </a:fld>
             <a:endParaRPr lang="en-US"/>
           </a:p>
@@ -3540,7 +3631,7 @@
             <a:fld id="{B82CCC60-E8CD-4174-8B1A-7DF615B22EEF}" type="slidenum">
               <a:rPr lang="en-US" smtClean="0"/>
               <a:pPr/>
-              <a:t>‹#›</a:t>
+              <a:t>‹Nr.›</a:t>
             </a:fld>
             <a:endParaRPr lang="en-US"/>
           </a:p>
@@ -3594,7 +3685,7 @@
             <a:fld id="{53074F12-AA26-4AC8-9962-C36BB8F32554}" type="datetimeFigureOut">
               <a:rPr lang="en-US" smtClean="0"/>
               <a:pPr/>
-              <a:t>4/14/2018</a:t>
+              <a:t>4/16/2018</a:t>
             </a:fld>
             <a:endParaRPr lang="en-US"/>
           </a:p>
@@ -3637,7 +3728,7 @@
             <a:fld id="{B82CCC60-E8CD-4174-8B1A-7DF615B22EEF}" type="slidenum">
               <a:rPr lang="en-US" smtClean="0"/>
               <a:pPr/>
-              <a:t>‹#›</a:t>
+              <a:t>‹Nr.›</a:t>
             </a:fld>
             <a:endParaRPr lang="en-US"/>
           </a:p>
@@ -3871,7 +3962,7 @@
             <a:fld id="{53074F12-AA26-4AC8-9962-C36BB8F32554}" type="datetimeFigureOut">
               <a:rPr lang="en-US" smtClean="0"/>
               <a:pPr/>
-              <a:t>4/14/2018</a:t>
+              <a:t>4/16/2018</a:t>
             </a:fld>
             <a:endParaRPr lang="en-US"/>
           </a:p>
@@ -3914,7 +4005,7 @@
             <a:fld id="{B82CCC60-E8CD-4174-8B1A-7DF615B22EEF}" type="slidenum">
               <a:rPr lang="en-US" smtClean="0"/>
               <a:pPr/>
-              <a:t>‹#›</a:t>
+              <a:t>‹Nr.›</a:t>
             </a:fld>
             <a:endParaRPr lang="en-US"/>
           </a:p>
@@ -4093,7 +4184,7 @@
             <a:fld id="{53074F12-AA26-4AC8-9962-C36BB8F32554}" type="datetimeFigureOut">
               <a:rPr lang="en-US" smtClean="0"/>
               <a:pPr/>
-              <a:t>4/14/2018</a:t>
+              <a:t>4/16/2018</a:t>
             </a:fld>
             <a:endParaRPr lang="en-US"/>
           </a:p>
@@ -4172,7 +4263,7 @@
             <a:fld id="{B82CCC60-E8CD-4174-8B1A-7DF615B22EEF}" type="slidenum">
               <a:rPr lang="en-US" smtClean="0"/>
               <a:pPr/>
-              <a:t>‹#›</a:t>
+              <a:t>‹Nr.›</a:t>
             </a:fld>
             <a:endParaRPr lang="en-US"/>
           </a:p>
@@ -4577,16 +4668,8 @@
           <a:lstStyle/>
           <a:p>
             <a:r>
-              <a:rPr lang="de-DE" sz="3200" dirty="0"/>
-              <a:t>Thank you for your </a:t>
-            </a:r>
-            <a:r>
-              <a:rPr lang="de-DE" sz="3200" dirty="0" err="1"/>
-              <a:t>attention</a:t>
-            </a:r>
-            <a:r>
-              <a:rPr lang="de-DE" sz="3200" dirty="0"/>
-              <a:t>!</a:t>
+              <a:rPr lang="en-US" sz="3200" dirty="0"/>
+              <a:t>Thank you for your attention!</a:t>
             </a:r>
           </a:p>
           <a:p>
